--- a/GROUP8ppt.pptx
+++ b/GROUP8ppt.pptx
@@ -11,12 +11,12 @@
     <p:sldId id="262" r:id="rId2"/>
     <p:sldId id="278" r:id="rId3"/>
     <p:sldId id="256" r:id="rId4"/>
-    <p:sldId id="279" r:id="rId5"/>
-    <p:sldId id="280" r:id="rId6"/>
-    <p:sldId id="281" r:id="rId7"/>
-    <p:sldId id="282" r:id="rId8"/>
-    <p:sldId id="283" r:id="rId9"/>
-    <p:sldId id="284" r:id="rId10"/>
+    <p:sldId id="284" r:id="rId5"/>
+    <p:sldId id="279" r:id="rId6"/>
+    <p:sldId id="280" r:id="rId7"/>
+    <p:sldId id="281" r:id="rId8"/>
+    <p:sldId id="282" r:id="rId9"/>
+    <p:sldId id="283" r:id="rId10"/>
     <p:sldId id="257" r:id="rId11"/>
     <p:sldId id="273" r:id="rId12"/>
     <p:sldId id="276" r:id="rId13"/>
@@ -133,12 +133,12 @@
             <p14:sldId id="262"/>
             <p14:sldId id="278"/>
             <p14:sldId id="256"/>
+            <p14:sldId id="284"/>
             <p14:sldId id="279"/>
             <p14:sldId id="280"/>
             <p14:sldId id="281"/>
             <p14:sldId id="282"/>
             <p14:sldId id="283"/>
-            <p14:sldId id="284"/>
             <p14:sldId id="257"/>
             <p14:sldId id="273"/>
             <p14:sldId id="276"/>
@@ -262,7 +262,7 @@
           <a:p>
             <a:fld id="{CA74A808-BFC8-4804-B41D-42F6193E618B}" type="datetimeFigureOut">
               <a:rPr lang="en-US" smtClean="0"/>
-              <a:t>5/21/2021</a:t>
+              <a:t>5/26/2021</a:t>
             </a:fld>
             <a:endParaRPr lang="en-US"/>
           </a:p>
@@ -660,7 +660,7 @@
           <a:p>
             <a:fld id="{BF5AF869-E9C6-49B2-8C7D-BD76E16FDC62}" type="datetimeFigureOut">
               <a:rPr lang="fr-FR" smtClean="0"/>
-              <a:t>21/05/2021</a:t>
+              <a:t>26/05/2021</a:t>
             </a:fld>
             <a:endParaRPr lang="fr-FR"/>
           </a:p>
@@ -830,7 +830,7 @@
           <a:p>
             <a:fld id="{BF5AF869-E9C6-49B2-8C7D-BD76E16FDC62}" type="datetimeFigureOut">
               <a:rPr lang="fr-FR" smtClean="0"/>
-              <a:t>21/05/2021</a:t>
+              <a:t>26/05/2021</a:t>
             </a:fld>
             <a:endParaRPr lang="fr-FR"/>
           </a:p>
@@ -1010,7 +1010,7 @@
           <a:p>
             <a:fld id="{BF5AF869-E9C6-49B2-8C7D-BD76E16FDC62}" type="datetimeFigureOut">
               <a:rPr lang="fr-FR" smtClean="0"/>
-              <a:t>21/05/2021</a:t>
+              <a:t>26/05/2021</a:t>
             </a:fld>
             <a:endParaRPr lang="fr-FR"/>
           </a:p>
@@ -1180,7 +1180,7 @@
           <a:p>
             <a:fld id="{BF5AF869-E9C6-49B2-8C7D-BD76E16FDC62}" type="datetimeFigureOut">
               <a:rPr lang="fr-FR" smtClean="0"/>
-              <a:t>21/05/2021</a:t>
+              <a:t>26/05/2021</a:t>
             </a:fld>
             <a:endParaRPr lang="fr-FR"/>
           </a:p>
@@ -1424,7 +1424,7 @@
           <a:p>
             <a:fld id="{BF5AF869-E9C6-49B2-8C7D-BD76E16FDC62}" type="datetimeFigureOut">
               <a:rPr lang="fr-FR" smtClean="0"/>
-              <a:t>21/05/2021</a:t>
+              <a:t>26/05/2021</a:t>
             </a:fld>
             <a:endParaRPr lang="fr-FR"/>
           </a:p>
@@ -1656,7 +1656,7 @@
           <a:p>
             <a:fld id="{BF5AF869-E9C6-49B2-8C7D-BD76E16FDC62}" type="datetimeFigureOut">
               <a:rPr lang="fr-FR" smtClean="0"/>
-              <a:t>21/05/2021</a:t>
+              <a:t>26/05/2021</a:t>
             </a:fld>
             <a:endParaRPr lang="fr-FR"/>
           </a:p>
@@ -2023,7 +2023,7 @@
           <a:p>
             <a:fld id="{BF5AF869-E9C6-49B2-8C7D-BD76E16FDC62}" type="datetimeFigureOut">
               <a:rPr lang="fr-FR" smtClean="0"/>
-              <a:t>21/05/2021</a:t>
+              <a:t>26/05/2021</a:t>
             </a:fld>
             <a:endParaRPr lang="fr-FR"/>
           </a:p>
@@ -2141,7 +2141,7 @@
           <a:p>
             <a:fld id="{BF5AF869-E9C6-49B2-8C7D-BD76E16FDC62}" type="datetimeFigureOut">
               <a:rPr lang="fr-FR" smtClean="0"/>
-              <a:t>21/05/2021</a:t>
+              <a:t>26/05/2021</a:t>
             </a:fld>
             <a:endParaRPr lang="fr-FR"/>
           </a:p>
@@ -2236,7 +2236,7 @@
           <a:p>
             <a:fld id="{BF5AF869-E9C6-49B2-8C7D-BD76E16FDC62}" type="datetimeFigureOut">
               <a:rPr lang="fr-FR" smtClean="0"/>
-              <a:t>21/05/2021</a:t>
+              <a:t>26/05/2021</a:t>
             </a:fld>
             <a:endParaRPr lang="fr-FR"/>
           </a:p>
@@ -2513,7 +2513,7 @@
           <a:p>
             <a:fld id="{BF5AF869-E9C6-49B2-8C7D-BD76E16FDC62}" type="datetimeFigureOut">
               <a:rPr lang="fr-FR" smtClean="0"/>
-              <a:t>21/05/2021</a:t>
+              <a:t>26/05/2021</a:t>
             </a:fld>
             <a:endParaRPr lang="fr-FR"/>
           </a:p>
@@ -2769,7 +2769,7 @@
           <a:p>
             <a:fld id="{BF5AF869-E9C6-49B2-8C7D-BD76E16FDC62}" type="datetimeFigureOut">
               <a:rPr lang="fr-FR" smtClean="0"/>
-              <a:t>21/05/2021</a:t>
+              <a:t>26/05/2021</a:t>
             </a:fld>
             <a:endParaRPr lang="fr-FR"/>
           </a:p>
@@ -2982,7 +2982,7 @@
           <a:p>
             <a:fld id="{BF5AF869-E9C6-49B2-8C7D-BD76E16FDC62}" type="datetimeFigureOut">
               <a:rPr lang="fr-FR" smtClean="0"/>
-              <a:t>21/05/2021</a:t>
+              <a:t>26/05/2021</a:t>
             </a:fld>
             <a:endParaRPr lang="fr-FR"/>
           </a:p>
@@ -10195,6 +10195,142 @@
       </p:grpSpPr>
       <p:pic>
         <p:nvPicPr>
+          <p:cNvPr id="5" name="Picture 4">
+            <a:extLst>
+              <a:ext uri="{FF2B5EF4-FFF2-40B4-BE49-F238E27FC236}">
+                <a16:creationId xmlns:a16="http://schemas.microsoft.com/office/drawing/2014/main" id="{B7D2E16D-3BD2-4640-B69E-94218D104C42}"/>
+              </a:ext>
+            </a:extLst>
+          </p:cNvPr>
+          <p:cNvPicPr>
+            <a:picLocks noChangeAspect="1"/>
+          </p:cNvPicPr>
+          <p:nvPr/>
+        </p:nvPicPr>
+        <p:blipFill>
+          <a:blip r:embed="rId3">
+            <a:extLst>
+              <a:ext uri="{28A0092B-C50C-407E-A947-70E740481C1C}">
+                <a14:useLocalDpi xmlns:a14="http://schemas.microsoft.com/office/drawing/2010/main" val="0"/>
+              </a:ext>
+            </a:extLst>
+          </a:blip>
+          <a:stretch>
+            <a:fillRect/>
+          </a:stretch>
+        </p:blipFill>
+        <p:spPr>
+          <a:xfrm>
+            <a:off x="1382280" y="1424355"/>
+            <a:ext cx="7141437" cy="5195162"/>
+          </a:xfrm>
+          <a:prstGeom prst="rect">
+            <a:avLst/>
+          </a:prstGeom>
+        </p:spPr>
+      </p:pic>
+      <p:sp>
+        <p:nvSpPr>
+          <p:cNvPr id="6" name="Rectangle: Rounded Corners 5">
+            <a:extLst>
+              <a:ext uri="{FF2B5EF4-FFF2-40B4-BE49-F238E27FC236}">
+                <a16:creationId xmlns:a16="http://schemas.microsoft.com/office/drawing/2014/main" id="{177A615B-5BA5-4F10-A4D6-222FB08E4D19}"/>
+              </a:ext>
+            </a:extLst>
+          </p:cNvPr>
+          <p:cNvSpPr/>
+          <p:nvPr/>
+        </p:nvSpPr>
+        <p:spPr>
+          <a:xfrm>
+            <a:off x="3026254" y="541355"/>
+            <a:ext cx="3853490" cy="687799"/>
+          </a:xfrm>
+          <a:prstGeom prst="roundRect">
+            <a:avLst/>
+          </a:prstGeom>
+          <a:solidFill>
+            <a:schemeClr val="bg1">
+              <a:alpha val="44000"/>
+            </a:schemeClr>
+          </a:solidFill>
+        </p:spPr>
+        <p:style>
+          <a:lnRef idx="2">
+            <a:schemeClr val="accent1">
+              <a:shade val="50000"/>
+            </a:schemeClr>
+          </a:lnRef>
+          <a:fillRef idx="1">
+            <a:schemeClr val="accent1"/>
+          </a:fillRef>
+          <a:effectRef idx="0">
+            <a:schemeClr val="accent1"/>
+          </a:effectRef>
+          <a:fontRef idx="minor">
+            <a:schemeClr val="lt1"/>
+          </a:fontRef>
+        </p:style>
+        <p:txBody>
+          <a:bodyPr rtlCol="0" anchor="ctr"/>
+          <a:lstStyle/>
+          <a:p>
+            <a:pPr algn="ctr"/>
+            <a:r>
+              <a:rPr lang="en-US" sz="4000" dirty="0">
+                <a:latin typeface="Tw Cen MT" panose="020B0602020104020603" pitchFamily="34" charset="0"/>
+              </a:rPr>
+              <a:t>CLASS FUCTION</a:t>
+            </a:r>
+          </a:p>
+        </p:txBody>
+      </p:sp>
+    </p:spTree>
+    <p:extLst>
+      <p:ext uri="{BB962C8B-B14F-4D97-AF65-F5344CB8AC3E}">
+        <p14:creationId xmlns:p14="http://schemas.microsoft.com/office/powerpoint/2010/main" val="1568104505"/>
+      </p:ext>
+    </p:extLst>
+  </p:cSld>
+  <p:clrMapOvr>
+    <a:masterClrMapping/>
+  </p:clrMapOvr>
+</p:sld>
+</file>
+
+<file path=ppt/slides/slide5.xml><?xml version="1.0" encoding="utf-8"?>
+<p:sld xmlns:a="http://schemas.openxmlformats.org/drawingml/2006/main" xmlns:r="http://schemas.openxmlformats.org/officeDocument/2006/relationships" xmlns:p="http://schemas.openxmlformats.org/presentationml/2006/main">
+  <p:cSld>
+    <p:bg>
+      <p:bgPr>
+        <a:blipFill dpi="0" rotWithShape="1">
+          <a:blip r:embed="rId2">
+            <a:lum/>
+          </a:blip>
+          <a:srcRect/>
+          <a:stretch>
+            <a:fillRect/>
+          </a:stretch>
+        </a:blipFill>
+        <a:effectLst/>
+      </p:bgPr>
+    </p:bg>
+    <p:spTree>
+      <p:nvGrpSpPr>
+        <p:cNvPr id="1" name=""/>
+        <p:cNvGrpSpPr/>
+        <p:nvPr/>
+      </p:nvGrpSpPr>
+      <p:grpSpPr>
+        <a:xfrm>
+          <a:off x="0" y="0"/>
+          <a:ext cx="0" cy="0"/>
+          <a:chOff x="0" y="0"/>
+          <a:chExt cx="0" cy="0"/>
+        </a:xfrm>
+      </p:grpSpPr>
+      <p:pic>
+        <p:nvPicPr>
           <p:cNvPr id="8" name="Picture 7">
             <a:extLst>
               <a:ext uri="{FF2B5EF4-FFF2-40B4-BE49-F238E27FC236}">
@@ -10298,7 +10434,7 @@
 </p:sld>
 </file>
 
-<file path=ppt/slides/slide5.xml><?xml version="1.0" encoding="utf-8"?>
+<file path=ppt/slides/slide6.xml><?xml version="1.0" encoding="utf-8"?>
 <p:sld xmlns:a="http://schemas.openxmlformats.org/drawingml/2006/main" xmlns:r="http://schemas.openxmlformats.org/officeDocument/2006/relationships" xmlns:p="http://schemas.openxmlformats.org/presentationml/2006/main">
   <p:cSld>
     <p:bg>
@@ -10434,7 +10570,7 @@
 </p:sld>
 </file>
 
-<file path=ppt/slides/slide6.xml><?xml version="1.0" encoding="utf-8"?>
+<file path=ppt/slides/slide7.xml><?xml version="1.0" encoding="utf-8"?>
 <p:sld xmlns:a="http://schemas.openxmlformats.org/drawingml/2006/main" xmlns:r="http://schemas.openxmlformats.org/officeDocument/2006/relationships" xmlns:p="http://schemas.openxmlformats.org/presentationml/2006/main">
   <p:cSld>
     <p:bg>
@@ -10570,7 +10706,7 @@
 </p:sld>
 </file>
 
-<file path=ppt/slides/slide7.xml><?xml version="1.0" encoding="utf-8"?>
+<file path=ppt/slides/slide8.xml><?xml version="1.0" encoding="utf-8"?>
 <p:sld xmlns:a="http://schemas.openxmlformats.org/drawingml/2006/main" xmlns:r="http://schemas.openxmlformats.org/officeDocument/2006/relationships" xmlns:p="http://schemas.openxmlformats.org/presentationml/2006/main">
   <p:cSld>
     <p:bg>
@@ -10706,7 +10842,7 @@
 </p:sld>
 </file>
 
-<file path=ppt/slides/slide8.xml><?xml version="1.0" encoding="utf-8"?>
+<file path=ppt/slides/slide9.xml><?xml version="1.0" encoding="utf-8"?>
 <p:sld xmlns:a="http://schemas.openxmlformats.org/drawingml/2006/main" xmlns:r="http://schemas.openxmlformats.org/officeDocument/2006/relationships" xmlns:p="http://schemas.openxmlformats.org/presentationml/2006/main">
   <p:cSld>
     <p:bg>
@@ -10833,142 +10969,6 @@
     <p:extLst>
       <p:ext uri="{BB962C8B-B14F-4D97-AF65-F5344CB8AC3E}">
         <p14:creationId xmlns:p14="http://schemas.microsoft.com/office/powerpoint/2010/main" val="1061860076"/>
-      </p:ext>
-    </p:extLst>
-  </p:cSld>
-  <p:clrMapOvr>
-    <a:masterClrMapping/>
-  </p:clrMapOvr>
-</p:sld>
-</file>
-
-<file path=ppt/slides/slide9.xml><?xml version="1.0" encoding="utf-8"?>
-<p:sld xmlns:a="http://schemas.openxmlformats.org/drawingml/2006/main" xmlns:r="http://schemas.openxmlformats.org/officeDocument/2006/relationships" xmlns:p="http://schemas.openxmlformats.org/presentationml/2006/main">
-  <p:cSld>
-    <p:bg>
-      <p:bgPr>
-        <a:blipFill dpi="0" rotWithShape="1">
-          <a:blip r:embed="rId2">
-            <a:lum/>
-          </a:blip>
-          <a:srcRect/>
-          <a:stretch>
-            <a:fillRect/>
-          </a:stretch>
-        </a:blipFill>
-        <a:effectLst/>
-      </p:bgPr>
-    </p:bg>
-    <p:spTree>
-      <p:nvGrpSpPr>
-        <p:cNvPr id="1" name=""/>
-        <p:cNvGrpSpPr/>
-        <p:nvPr/>
-      </p:nvGrpSpPr>
-      <p:grpSpPr>
-        <a:xfrm>
-          <a:off x="0" y="0"/>
-          <a:ext cx="0" cy="0"/>
-          <a:chOff x="0" y="0"/>
-          <a:chExt cx="0" cy="0"/>
-        </a:xfrm>
-      </p:grpSpPr>
-      <p:pic>
-        <p:nvPicPr>
-          <p:cNvPr id="5" name="Picture 4">
-            <a:extLst>
-              <a:ext uri="{FF2B5EF4-FFF2-40B4-BE49-F238E27FC236}">
-                <a16:creationId xmlns:a16="http://schemas.microsoft.com/office/drawing/2014/main" id="{B7D2E16D-3BD2-4640-B69E-94218D104C42}"/>
-              </a:ext>
-            </a:extLst>
-          </p:cNvPr>
-          <p:cNvPicPr>
-            <a:picLocks noChangeAspect="1"/>
-          </p:cNvPicPr>
-          <p:nvPr/>
-        </p:nvPicPr>
-        <p:blipFill>
-          <a:blip r:embed="rId3">
-            <a:extLst>
-              <a:ext uri="{28A0092B-C50C-407E-A947-70E740481C1C}">
-                <a14:useLocalDpi xmlns:a14="http://schemas.microsoft.com/office/drawing/2010/main" val="0"/>
-              </a:ext>
-            </a:extLst>
-          </a:blip>
-          <a:stretch>
-            <a:fillRect/>
-          </a:stretch>
-        </p:blipFill>
-        <p:spPr>
-          <a:xfrm>
-            <a:off x="1382280" y="1424355"/>
-            <a:ext cx="7141437" cy="5195162"/>
-          </a:xfrm>
-          <a:prstGeom prst="rect">
-            <a:avLst/>
-          </a:prstGeom>
-        </p:spPr>
-      </p:pic>
-      <p:sp>
-        <p:nvSpPr>
-          <p:cNvPr id="6" name="Rectangle: Rounded Corners 5">
-            <a:extLst>
-              <a:ext uri="{FF2B5EF4-FFF2-40B4-BE49-F238E27FC236}">
-                <a16:creationId xmlns:a16="http://schemas.microsoft.com/office/drawing/2014/main" id="{177A615B-5BA5-4F10-A4D6-222FB08E4D19}"/>
-              </a:ext>
-            </a:extLst>
-          </p:cNvPr>
-          <p:cNvSpPr/>
-          <p:nvPr/>
-        </p:nvSpPr>
-        <p:spPr>
-          <a:xfrm>
-            <a:off x="3026254" y="541355"/>
-            <a:ext cx="3853490" cy="687799"/>
-          </a:xfrm>
-          <a:prstGeom prst="roundRect">
-            <a:avLst/>
-          </a:prstGeom>
-          <a:solidFill>
-            <a:schemeClr val="bg1">
-              <a:alpha val="44000"/>
-            </a:schemeClr>
-          </a:solidFill>
-        </p:spPr>
-        <p:style>
-          <a:lnRef idx="2">
-            <a:schemeClr val="accent1">
-              <a:shade val="50000"/>
-            </a:schemeClr>
-          </a:lnRef>
-          <a:fillRef idx="1">
-            <a:schemeClr val="accent1"/>
-          </a:fillRef>
-          <a:effectRef idx="0">
-            <a:schemeClr val="accent1"/>
-          </a:effectRef>
-          <a:fontRef idx="minor">
-            <a:schemeClr val="lt1"/>
-          </a:fontRef>
-        </p:style>
-        <p:txBody>
-          <a:bodyPr rtlCol="0" anchor="ctr"/>
-          <a:lstStyle/>
-          <a:p>
-            <a:pPr algn="ctr"/>
-            <a:r>
-              <a:rPr lang="en-US" sz="4000" dirty="0">
-                <a:latin typeface="Tw Cen MT" panose="020B0602020104020603" pitchFamily="34" charset="0"/>
-              </a:rPr>
-              <a:t>CLASS FUCTION</a:t>
-            </a:r>
-          </a:p>
-        </p:txBody>
-      </p:sp>
-    </p:spTree>
-    <p:extLst>
-      <p:ext uri="{BB962C8B-B14F-4D97-AF65-F5344CB8AC3E}">
-        <p14:creationId xmlns:p14="http://schemas.microsoft.com/office/powerpoint/2010/main" val="1568104505"/>
       </p:ext>
     </p:extLst>
   </p:cSld>
